--- a/BEAN BEAN 8.pptx
+++ b/BEAN BEAN 8.pptx
@@ -132,6 +132,30 @@
       </pc:sldChg>
     </pc:docChg>
   </pc:docChgLst>
+  <pc:docChgLst>
+    <pc:chgData name="vitoria berniz" userId="4df2cc20106b5268" providerId="LiveId" clId="{29DC7C03-6038-4C57-9E63-16E3019EC498}"/>
+    <pc:docChg chg="modSld">
+      <pc:chgData name="vitoria berniz" userId="4df2cc20106b5268" providerId="LiveId" clId="{29DC7C03-6038-4C57-9E63-16E3019EC498}" dt="2019-03-18T19:34:01.785" v="25" actId="20577"/>
+      <pc:docMkLst>
+        <pc:docMk/>
+      </pc:docMkLst>
+      <pc:sldChg chg="modSp">
+        <pc:chgData name="vitoria berniz" userId="4df2cc20106b5268" providerId="LiveId" clId="{29DC7C03-6038-4C57-9E63-16E3019EC498}" dt="2019-03-18T19:34:01.785" v="25" actId="20577"/>
+        <pc:sldMkLst>
+          <pc:docMk/>
+          <pc:sldMk cId="2687161591" sldId="256"/>
+        </pc:sldMkLst>
+        <pc:spChg chg="mod">
+          <ac:chgData name="vitoria berniz" userId="4df2cc20106b5268" providerId="LiveId" clId="{29DC7C03-6038-4C57-9E63-16E3019EC498}" dt="2019-03-18T19:34:01.785" v="25" actId="20577"/>
+          <ac:spMkLst>
+            <pc:docMk/>
+            <pc:sldMk cId="2687161591" sldId="256"/>
+            <ac:spMk id="3" creationId="{00000000-0000-0000-0000-000000000000}"/>
+          </ac:spMkLst>
+        </pc:spChg>
+      </pc:sldChg>
+    </pc:docChg>
+  </pc:docChgLst>
 </pc:chgInfo>
 </file>
 
@@ -365,7 +389,7 @@
             <a:fld id="{B61BEF0D-F0BB-DE4B-95CE-6DB70DBA9567}" type="datetimeFigureOut">
               <a:rPr lang="en-US" dirty="0"/>
               <a:pPr/>
-              <a:t>3/17/2019</a:t>
+              <a:t>3/18/2019</a:t>
             </a:fld>
             <a:endParaRPr lang="en-US" dirty="0"/>
           </a:p>
@@ -696,7 +720,7 @@
             <a:fld id="{B61BEF0D-F0BB-DE4B-95CE-6DB70DBA9567}" type="datetimeFigureOut">
               <a:rPr lang="en-US" dirty="0"/>
               <a:pPr/>
-              <a:t>3/17/2019</a:t>
+              <a:t>3/18/2019</a:t>
             </a:fld>
             <a:endParaRPr lang="en-US" dirty="0"/>
           </a:p>
@@ -971,7 +995,7 @@
             <a:fld id="{B61BEF0D-F0BB-DE4B-95CE-6DB70DBA9567}" type="datetimeFigureOut">
               <a:rPr lang="en-US" dirty="0"/>
               <a:pPr/>
-              <a:t>3/17/2019</a:t>
+              <a:t>3/18/2019</a:t>
             </a:fld>
             <a:endParaRPr lang="en-US" dirty="0"/>
           </a:p>
@@ -1536,7 +1560,7 @@
             <a:fld id="{B61BEF0D-F0BB-DE4B-95CE-6DB70DBA9567}" type="datetimeFigureOut">
               <a:rPr lang="en-US" dirty="0"/>
               <a:pPr/>
-              <a:t>3/17/2019</a:t>
+              <a:t>3/18/2019</a:t>
             </a:fld>
             <a:endParaRPr lang="en-US" dirty="0"/>
           </a:p>
@@ -1811,7 +1835,7 @@
             <a:fld id="{B61BEF0D-F0BB-DE4B-95CE-6DB70DBA9567}" type="datetimeFigureOut">
               <a:rPr lang="en-US" dirty="0"/>
               <a:pPr/>
-              <a:t>3/17/2019</a:t>
+              <a:t>3/18/2019</a:t>
             </a:fld>
             <a:endParaRPr lang="en-US" dirty="0"/>
           </a:p>
@@ -2370,7 +2394,7 @@
             <a:fld id="{B61BEF0D-F0BB-DE4B-95CE-6DB70DBA9567}" type="datetimeFigureOut">
               <a:rPr lang="en-US" dirty="0"/>
               <a:pPr/>
-              <a:t>3/17/2019</a:t>
+              <a:t>3/18/2019</a:t>
             </a:fld>
             <a:endParaRPr lang="en-US" dirty="0"/>
           </a:p>
@@ -2694,7 +2718,7 @@
             <a:fld id="{B61BEF0D-F0BB-DE4B-95CE-6DB70DBA9567}" type="datetimeFigureOut">
               <a:rPr lang="en-US" dirty="0"/>
               <a:pPr/>
-              <a:t>3/17/2019</a:t>
+              <a:t>3/18/2019</a:t>
             </a:fld>
             <a:endParaRPr lang="en-US" dirty="0"/>
           </a:p>
@@ -2896,7 +2920,7 @@
             <a:fld id="{B61BEF0D-F0BB-DE4B-95CE-6DB70DBA9567}" type="datetimeFigureOut">
               <a:rPr lang="en-US" dirty="0"/>
               <a:pPr/>
-              <a:t>3/17/2019</a:t>
+              <a:t>3/18/2019</a:t>
             </a:fld>
             <a:endParaRPr lang="en-US" dirty="0"/>
           </a:p>
@@ -3103,7 +3127,7 @@
             <a:fld id="{B61BEF0D-F0BB-DE4B-95CE-6DB70DBA9567}" type="datetimeFigureOut">
               <a:rPr lang="en-US" dirty="0"/>
               <a:pPr/>
-              <a:t>3/17/2019</a:t>
+              <a:t>3/18/2019</a:t>
             </a:fld>
             <a:endParaRPr lang="en-US" dirty="0"/>
           </a:p>
@@ -3300,7 +3324,7 @@
             <a:fld id="{B61BEF0D-F0BB-DE4B-95CE-6DB70DBA9567}" type="datetimeFigureOut">
               <a:rPr lang="en-US" dirty="0"/>
               <a:pPr/>
-              <a:t>3/17/2019</a:t>
+              <a:t>3/18/2019</a:t>
             </a:fld>
             <a:endParaRPr lang="en-US" dirty="0"/>
           </a:p>
@@ -3573,7 +3597,7 @@
             <a:fld id="{B61BEF0D-F0BB-DE4B-95CE-6DB70DBA9567}" type="datetimeFigureOut">
               <a:rPr lang="en-US" dirty="0"/>
               <a:pPr/>
-              <a:t>3/17/2019</a:t>
+              <a:t>3/18/2019</a:t>
             </a:fld>
             <a:endParaRPr lang="en-US" dirty="0"/>
           </a:p>
@@ -3836,7 +3860,7 @@
             <a:fld id="{B61BEF0D-F0BB-DE4B-95CE-6DB70DBA9567}" type="datetimeFigureOut">
               <a:rPr lang="en-US" dirty="0"/>
               <a:pPr/>
-              <a:t>3/17/2019</a:t>
+              <a:t>3/18/2019</a:t>
             </a:fld>
             <a:endParaRPr lang="en-US" dirty="0"/>
           </a:p>
@@ -4207,7 +4231,7 @@
             <a:fld id="{B61BEF0D-F0BB-DE4B-95CE-6DB70DBA9567}" type="datetimeFigureOut">
               <a:rPr lang="en-US" dirty="0"/>
               <a:pPr/>
-              <a:t>3/17/2019</a:t>
+              <a:t>3/18/2019</a:t>
             </a:fld>
             <a:endParaRPr lang="en-US" dirty="0"/>
           </a:p>
@@ -4352,7 +4376,7 @@
             <a:fld id="{B61BEF0D-F0BB-DE4B-95CE-6DB70DBA9567}" type="datetimeFigureOut">
               <a:rPr lang="en-US" dirty="0"/>
               <a:pPr/>
-              <a:t>3/17/2019</a:t>
+              <a:t>3/18/2019</a:t>
             </a:fld>
             <a:endParaRPr lang="en-US" dirty="0"/>
           </a:p>
@@ -4474,7 +4498,7 @@
             <a:fld id="{B61BEF0D-F0BB-DE4B-95CE-6DB70DBA9567}" type="datetimeFigureOut">
               <a:rPr lang="en-US" dirty="0"/>
               <a:pPr/>
-              <a:t>3/17/2019</a:t>
+              <a:t>3/18/2019</a:t>
             </a:fld>
             <a:endParaRPr lang="en-US" dirty="0"/>
           </a:p>
@@ -4756,7 +4780,7 @@
             <a:fld id="{B61BEF0D-F0BB-DE4B-95CE-6DB70DBA9567}" type="datetimeFigureOut">
               <a:rPr lang="en-US" dirty="0"/>
               <a:pPr/>
-              <a:t>3/17/2019</a:t>
+              <a:t>3/18/2019</a:t>
             </a:fld>
             <a:endParaRPr lang="en-US" dirty="0"/>
           </a:p>
@@ -5077,7 +5101,7 @@
             <a:fld id="{B61BEF0D-F0BB-DE4B-95CE-6DB70DBA9567}" type="datetimeFigureOut">
               <a:rPr lang="en-US" dirty="0"/>
               <a:pPr/>
-              <a:t>3/17/2019</a:t>
+              <a:t>3/18/2019</a:t>
             </a:fld>
             <a:endParaRPr lang="en-US" dirty="0"/>
           </a:p>
@@ -5288,7 +5312,7 @@
             <a:fld id="{B61BEF0D-F0BB-DE4B-95CE-6DB70DBA9567}" type="datetimeFigureOut">
               <a:rPr lang="en-US" dirty="0"/>
               <a:pPr/>
-              <a:t>3/17/2019</a:t>
+              <a:t>3/18/2019</a:t>
             </a:fld>
             <a:endParaRPr lang="en-US" dirty="0"/>
           </a:p>
@@ -5894,6 +5918,17 @@
           <a:p>
             <a:r>
               <a:rPr lang="pt-BR" sz="1200" dirty="0"/>
+              <a:t>Gustavo </a:t>
+            </a:r>
+            <a:r>
+              <a:rPr lang="pt-BR" sz="1200" dirty="0" err="1"/>
+              <a:t>kiyoshi</a:t>
+            </a:r>
+            <a:endParaRPr lang="pt-BR" sz="1200" dirty="0"/>
+          </a:p>
+          <a:p>
+            <a:r>
+              <a:rPr lang="pt-BR" sz="1200" dirty="0"/>
               <a:t>Lucas Magalhaes</a:t>
             </a:r>
           </a:p>
